--- a/JeanPiaget/2019-2020/Cuarentena/Cuarto - Clases Remotas/Evaluación Final.pptx
+++ b/JeanPiaget/2019-2020/Cuarentena/Cuarto - Clases Remotas/Evaluación Final.pptx
@@ -5,17 +5,13 @@
     <p:sldMasterId id="2147483648" r:id="rId1"/>
   </p:sldMasterIdLst>
   <p:sldIdLst>
-    <p:sldId id="256" r:id="rId2"/>
-    <p:sldId id="257" r:id="rId3"/>
-    <p:sldId id="262" r:id="rId4"/>
-    <p:sldId id="258" r:id="rId5"/>
-    <p:sldId id="263" r:id="rId6"/>
-    <p:sldId id="265" r:id="rId7"/>
-    <p:sldId id="266" r:id="rId8"/>
-    <p:sldId id="260" r:id="rId9"/>
-    <p:sldId id="267" r:id="rId10"/>
-    <p:sldId id="261" r:id="rId11"/>
-    <p:sldId id="264" r:id="rId12"/>
+    <p:sldId id="268" r:id="rId2"/>
+    <p:sldId id="265" r:id="rId3"/>
+    <p:sldId id="266" r:id="rId4"/>
+    <p:sldId id="260" r:id="rId5"/>
+    <p:sldId id="267" r:id="rId6"/>
+    <p:sldId id="261" r:id="rId7"/>
+    <p:sldId id="264" r:id="rId8"/>
   </p:sldIdLst>
   <p:sldSz cx="12192000" cy="6858000"/>
   <p:notesSz cx="6858000" cy="9144000"/>
@@ -271,7 +267,7 @@
           <a:p>
             <a:fld id="{D4424E7B-3FD6-40DA-AC15-348ED00BB287}" type="datetimeFigureOut">
               <a:rPr lang="es-MX" smtClean="0"/>
-              <a:t>23/04/2020</a:t>
+              <a:t>16/05/2020</a:t>
             </a:fld>
             <a:endParaRPr lang="es-MX"/>
           </a:p>
@@ -471,7 +467,7 @@
           <a:p>
             <a:fld id="{D4424E7B-3FD6-40DA-AC15-348ED00BB287}" type="datetimeFigureOut">
               <a:rPr lang="es-MX" smtClean="0"/>
-              <a:t>23/04/2020</a:t>
+              <a:t>16/05/2020</a:t>
             </a:fld>
             <a:endParaRPr lang="es-MX"/>
           </a:p>
@@ -681,7 +677,7 @@
           <a:p>
             <a:fld id="{D4424E7B-3FD6-40DA-AC15-348ED00BB287}" type="datetimeFigureOut">
               <a:rPr lang="es-MX" smtClean="0"/>
-              <a:t>23/04/2020</a:t>
+              <a:t>16/05/2020</a:t>
             </a:fld>
             <a:endParaRPr lang="es-MX"/>
           </a:p>
@@ -881,7 +877,7 @@
           <a:p>
             <a:fld id="{D4424E7B-3FD6-40DA-AC15-348ED00BB287}" type="datetimeFigureOut">
               <a:rPr lang="es-MX" smtClean="0"/>
-              <a:t>23/04/2020</a:t>
+              <a:t>16/05/2020</a:t>
             </a:fld>
             <a:endParaRPr lang="es-MX"/>
           </a:p>
@@ -1157,7 +1153,7 @@
           <a:p>
             <a:fld id="{D4424E7B-3FD6-40DA-AC15-348ED00BB287}" type="datetimeFigureOut">
               <a:rPr lang="es-MX" smtClean="0"/>
-              <a:t>23/04/2020</a:t>
+              <a:t>16/05/2020</a:t>
             </a:fld>
             <a:endParaRPr lang="es-MX"/>
           </a:p>
@@ -1425,7 +1421,7 @@
           <a:p>
             <a:fld id="{D4424E7B-3FD6-40DA-AC15-348ED00BB287}" type="datetimeFigureOut">
               <a:rPr lang="es-MX" smtClean="0"/>
-              <a:t>23/04/2020</a:t>
+              <a:t>16/05/2020</a:t>
             </a:fld>
             <a:endParaRPr lang="es-MX"/>
           </a:p>
@@ -1840,7 +1836,7 @@
           <a:p>
             <a:fld id="{D4424E7B-3FD6-40DA-AC15-348ED00BB287}" type="datetimeFigureOut">
               <a:rPr lang="es-MX" smtClean="0"/>
-              <a:t>23/04/2020</a:t>
+              <a:t>16/05/2020</a:t>
             </a:fld>
             <a:endParaRPr lang="es-MX"/>
           </a:p>
@@ -1982,7 +1978,7 @@
           <a:p>
             <a:fld id="{D4424E7B-3FD6-40DA-AC15-348ED00BB287}" type="datetimeFigureOut">
               <a:rPr lang="es-MX" smtClean="0"/>
-              <a:t>23/04/2020</a:t>
+              <a:t>16/05/2020</a:t>
             </a:fld>
             <a:endParaRPr lang="es-MX"/>
           </a:p>
@@ -2095,7 +2091,7 @@
           <a:p>
             <a:fld id="{D4424E7B-3FD6-40DA-AC15-348ED00BB287}" type="datetimeFigureOut">
               <a:rPr lang="es-MX" smtClean="0"/>
-              <a:t>23/04/2020</a:t>
+              <a:t>16/05/2020</a:t>
             </a:fld>
             <a:endParaRPr lang="es-MX"/>
           </a:p>
@@ -2408,7 +2404,7 @@
           <a:p>
             <a:fld id="{D4424E7B-3FD6-40DA-AC15-348ED00BB287}" type="datetimeFigureOut">
               <a:rPr lang="es-MX" smtClean="0"/>
-              <a:t>23/04/2020</a:t>
+              <a:t>16/05/2020</a:t>
             </a:fld>
             <a:endParaRPr lang="es-MX"/>
           </a:p>
@@ -2697,7 +2693,7 @@
           <a:p>
             <a:fld id="{D4424E7B-3FD6-40DA-AC15-348ED00BB287}" type="datetimeFigureOut">
               <a:rPr lang="es-MX" smtClean="0"/>
-              <a:t>23/04/2020</a:t>
+              <a:t>16/05/2020</a:t>
             </a:fld>
             <a:endParaRPr lang="es-MX"/>
           </a:p>
@@ -2940,7 +2936,7 @@
           <a:p>
             <a:fld id="{D4424E7B-3FD6-40DA-AC15-348ED00BB287}" type="datetimeFigureOut">
               <a:rPr lang="es-MX" smtClean="0"/>
-              <a:t>23/04/2020</a:t>
+              <a:t>16/05/2020</a:t>
             </a:fld>
             <a:endParaRPr lang="es-MX"/>
           </a:p>
@@ -3359,10 +3355,10 @@
       </p:grpSpPr>
       <p:sp>
         <p:nvSpPr>
-          <p:cNvPr id="2" name="Título 1">
-            <a:extLst>
-              <a:ext uri="{FF2B5EF4-FFF2-40B4-BE49-F238E27FC236}">
-                <a16:creationId xmlns:a16="http://schemas.microsoft.com/office/drawing/2014/main" id="{8D5BD11E-DE0B-400D-803D-CE5B78307199}"/>
+          <p:cNvPr id="4" name="Título 3">
+            <a:extLst>
+              <a:ext uri="{FF2B5EF4-FFF2-40B4-BE49-F238E27FC236}">
+                <a16:creationId xmlns:a16="http://schemas.microsoft.com/office/drawing/2014/main" id="{338F67B0-8232-4681-BC9D-4F2171C41C16}"/>
               </a:ext>
             </a:extLst>
           </p:cNvPr>
@@ -3373,14 +3369,7 @@
             <p:ph type="ctrTitle"/>
           </p:nvPr>
         </p:nvSpPr>
-        <p:spPr>
-          <a:solidFill>
-            <a:schemeClr val="accent1">
-              <a:lumMod val="60000"/>
-              <a:lumOff val="40000"/>
-            </a:schemeClr>
-          </a:solidFill>
-        </p:spPr>
+        <p:spPr/>
         <p:txBody>
           <a:bodyPr>
             <a:normAutofit fontScale="90000"/>
@@ -3388,40 +3377,45 @@
           <a:lstStyle/>
           <a:p>
             <a:r>
+              <a:rPr lang="es-MX" dirty="0"/>
+              <a:t>Examen Final del Taller de Metodología de la Investigación</a:t>
+            </a:r>
+          </a:p>
+        </p:txBody>
+      </p:sp>
+      <p:sp>
+        <p:nvSpPr>
+          <p:cNvPr id="5" name="Subtítulo 4">
+            <a:extLst>
+              <a:ext uri="{FF2B5EF4-FFF2-40B4-BE49-F238E27FC236}">
+                <a16:creationId xmlns:a16="http://schemas.microsoft.com/office/drawing/2014/main" id="{9DC962F9-1D10-4883-B50B-43B29D8C4D89}"/>
+              </a:ext>
+            </a:extLst>
+          </p:cNvPr>
+          <p:cNvSpPr>
+            <a:spLocks noGrp="1"/>
+          </p:cNvSpPr>
+          <p:nvPr>
+            <p:ph type="subTitle" idx="1"/>
+          </p:nvPr>
+        </p:nvSpPr>
+        <p:spPr/>
+        <p:txBody>
+          <a:bodyPr/>
+          <a:lstStyle/>
+          <a:p>
+            <a:r>
+              <a:rPr lang="es-MX" dirty="0"/>
+              <a:t>Primera Vuelta</a:t>
+            </a:r>
+          </a:p>
+          <a:p>
+            <a:endParaRPr lang="es-MX" dirty="0"/>
+          </a:p>
+          <a:p>
+            <a:r>
               <a:rPr lang="es-MX" b="1" dirty="0"/>
-              <a:t>Notas para el Examen Final del Taller de Metodología de la Investigación</a:t>
-            </a:r>
-            <a:r>
-              <a:rPr lang="es-MX" dirty="0"/>
-              <a:t>	</a:t>
-            </a:r>
-          </a:p>
-        </p:txBody>
-      </p:sp>
-      <p:sp>
-        <p:nvSpPr>
-          <p:cNvPr id="3" name="Subtítulo 2">
-            <a:extLst>
-              <a:ext uri="{FF2B5EF4-FFF2-40B4-BE49-F238E27FC236}">
-                <a16:creationId xmlns:a16="http://schemas.microsoft.com/office/drawing/2014/main" id="{DD27E0E7-57BB-4BF7-BD81-50271C99BC31}"/>
-              </a:ext>
-            </a:extLst>
-          </p:cNvPr>
-          <p:cNvSpPr>
-            <a:spLocks noGrp="1"/>
-          </p:cNvSpPr>
-          <p:nvPr>
-            <p:ph type="subTitle" idx="1"/>
-          </p:nvPr>
-        </p:nvSpPr>
-        <p:spPr/>
-        <p:txBody>
-          <a:bodyPr/>
-          <a:lstStyle/>
-          <a:p>
-            <a:r>
-              <a:rPr lang="es-MX" dirty="0"/>
-              <a:t>(Esta información coincide con lo presentado en la Síntesis del Programa de Estudios que se les entregó al principio del curso escolar)</a:t>
+              <a:t>Viernes, 29 de mayo</a:t>
             </a:r>
           </a:p>
         </p:txBody>
@@ -3429,294 +3423,7 @@
     </p:spTree>
     <p:extLst>
       <p:ext uri="{BB962C8B-B14F-4D97-AF65-F5344CB8AC3E}">
-        <p14:creationId xmlns:p14="http://schemas.microsoft.com/office/powerpoint/2010/main" val="1227144721"/>
-      </p:ext>
-    </p:extLst>
-  </p:cSld>
-  <p:clrMapOvr>
-    <a:masterClrMapping/>
-  </p:clrMapOvr>
-</p:sld>
-</file>
-
-<file path=ppt/slides/slide10.xml><?xml version="1.0" encoding="utf-8"?>
-<p:sld xmlns:a="http://schemas.openxmlformats.org/drawingml/2006/main" xmlns:r="http://schemas.openxmlformats.org/officeDocument/2006/relationships" xmlns:p="http://schemas.openxmlformats.org/presentationml/2006/main">
-  <p:cSld>
-    <p:spTree>
-      <p:nvGrpSpPr>
-        <p:cNvPr id="1" name=""/>
-        <p:cNvGrpSpPr/>
-        <p:nvPr/>
-      </p:nvGrpSpPr>
-      <p:grpSpPr>
-        <a:xfrm>
-          <a:off x="0" y="0"/>
-          <a:ext cx="0" cy="0"/>
-          <a:chOff x="0" y="0"/>
-          <a:chExt cx="0" cy="0"/>
-        </a:xfrm>
-      </p:grpSpPr>
-      <p:sp>
-        <p:nvSpPr>
-          <p:cNvPr id="2" name="Título 1">
-            <a:extLst>
-              <a:ext uri="{FF2B5EF4-FFF2-40B4-BE49-F238E27FC236}">
-                <a16:creationId xmlns:a16="http://schemas.microsoft.com/office/drawing/2014/main" id="{8C6B93B8-AFA5-4DFA-A0A0-C3A70BB14487}"/>
-              </a:ext>
-            </a:extLst>
-          </p:cNvPr>
-          <p:cNvSpPr>
-            <a:spLocks noGrp="1"/>
-          </p:cNvSpPr>
-          <p:nvPr>
-            <p:ph type="title"/>
-          </p:nvPr>
-        </p:nvSpPr>
-        <p:spPr>
-          <a:xfrm>
-            <a:off x="217415" y="172178"/>
-            <a:ext cx="10515600" cy="1325563"/>
-          </a:xfrm>
-          <a:solidFill>
-            <a:schemeClr val="accent2">
-              <a:lumMod val="60000"/>
-              <a:lumOff val="40000"/>
-            </a:schemeClr>
-          </a:solidFill>
-        </p:spPr>
-        <p:txBody>
-          <a:bodyPr/>
-          <a:lstStyle/>
-          <a:p>
-            <a:r>
-              <a:rPr lang="es-MX" dirty="0"/>
-              <a:t>SEGUNDA VUELTA – Evaluación Final</a:t>
-            </a:r>
-          </a:p>
-        </p:txBody>
-      </p:sp>
-      <p:sp>
-        <p:nvSpPr>
-          <p:cNvPr id="3" name="Marcador de contenido 2">
-            <a:extLst>
-              <a:ext uri="{FF2B5EF4-FFF2-40B4-BE49-F238E27FC236}">
-                <a16:creationId xmlns:a16="http://schemas.microsoft.com/office/drawing/2014/main" id="{B319AA4F-618A-4BDF-BBC1-C22D1CE2F01B}"/>
-              </a:ext>
-            </a:extLst>
-          </p:cNvPr>
-          <p:cNvSpPr>
-            <a:spLocks noGrp="1"/>
-          </p:cNvSpPr>
-          <p:nvPr>
-            <p:ph idx="1"/>
-          </p:nvPr>
-        </p:nvSpPr>
-        <p:spPr>
-          <a:xfrm>
-            <a:off x="1426128" y="2256639"/>
-            <a:ext cx="9927672" cy="3920324"/>
-          </a:xfrm>
-          <a:solidFill>
-            <a:schemeClr val="accent2">
-              <a:lumMod val="20000"/>
-              <a:lumOff val="80000"/>
-            </a:schemeClr>
-          </a:solidFill>
-        </p:spPr>
-        <p:txBody>
-          <a:bodyPr/>
-          <a:lstStyle/>
-          <a:p>
-            <a:pPr marL="457200" lvl="1" indent="0">
-              <a:buNone/>
-            </a:pPr>
-            <a:r>
-              <a:rPr lang="es-MX" dirty="0"/>
-              <a:t>Examen de respuesta abierta:</a:t>
-            </a:r>
-          </a:p>
-          <a:p>
-            <a:pPr marL="457200" lvl="1" indent="0">
-              <a:buNone/>
-            </a:pPr>
-            <a:endParaRPr lang="es-MX" dirty="0"/>
-          </a:p>
-          <a:p>
-            <a:pPr marL="457200" lvl="1" indent="0">
-              <a:buNone/>
-            </a:pPr>
-            <a:r>
-              <a:rPr lang="es-MX" dirty="0"/>
-              <a:t>En cuanto se les notifique que tienen que presentar su segunda vuelta, se les asignará y enviará por correo un artículo de investigación </a:t>
-            </a:r>
-            <a:r>
-              <a:rPr lang="es-MX" b="1" dirty="0"/>
-              <a:t>breve y en español </a:t>
-            </a:r>
-            <a:r>
-              <a:rPr lang="es-MX" dirty="0"/>
-              <a:t>y una copia de las preguntas que deberán responder con base en el artículo. Los detalles sobre el día y hora de entrega del examen de la segunda vuelta se darán más adelante.</a:t>
-            </a:r>
-          </a:p>
-          <a:p>
-            <a:pPr marL="457200" lvl="1" indent="0">
-              <a:buNone/>
-            </a:pPr>
-            <a:endParaRPr lang="es-MX" dirty="0"/>
-          </a:p>
-          <a:p>
-            <a:pPr marL="457200" lvl="1" indent="0">
-              <a:buNone/>
-            </a:pPr>
-            <a:r>
-              <a:rPr lang="es-MX" b="1" dirty="0"/>
-              <a:t>Si copian y pegan alguna sección del artículo, el examen queda reprobado en automático.</a:t>
-            </a:r>
-          </a:p>
-          <a:p>
-            <a:pPr marL="457200" lvl="1" indent="0">
-              <a:buNone/>
-            </a:pPr>
-            <a:endParaRPr lang="es-MX" sz="4400" dirty="0"/>
-          </a:p>
-          <a:p>
-            <a:pPr marL="457200" lvl="1" indent="0">
-              <a:buNone/>
-            </a:pPr>
-            <a:endParaRPr lang="es-MX" sz="4400" dirty="0"/>
-          </a:p>
-          <a:p>
-            <a:endParaRPr lang="es-MX" dirty="0"/>
-          </a:p>
-        </p:txBody>
-      </p:sp>
-    </p:spTree>
-    <p:extLst>
-      <p:ext uri="{BB962C8B-B14F-4D97-AF65-F5344CB8AC3E}">
-        <p14:creationId xmlns:p14="http://schemas.microsoft.com/office/powerpoint/2010/main" val="983925544"/>
-      </p:ext>
-    </p:extLst>
-  </p:cSld>
-  <p:clrMapOvr>
-    <a:masterClrMapping/>
-  </p:clrMapOvr>
-</p:sld>
-</file>
-
-<file path=ppt/slides/slide11.xml><?xml version="1.0" encoding="utf-8"?>
-<p:sld xmlns:a="http://schemas.openxmlformats.org/drawingml/2006/main" xmlns:r="http://schemas.openxmlformats.org/officeDocument/2006/relationships" xmlns:p="http://schemas.openxmlformats.org/presentationml/2006/main">
-  <p:cSld>
-    <p:spTree>
-      <p:nvGrpSpPr>
-        <p:cNvPr id="1" name=""/>
-        <p:cNvGrpSpPr/>
-        <p:nvPr/>
-      </p:nvGrpSpPr>
-      <p:grpSpPr>
-        <a:xfrm>
-          <a:off x="0" y="0"/>
-          <a:ext cx="0" cy="0"/>
-          <a:chOff x="0" y="0"/>
-          <a:chExt cx="0" cy="0"/>
-        </a:xfrm>
-      </p:grpSpPr>
-      <p:sp>
-        <p:nvSpPr>
-          <p:cNvPr id="2" name="Título 1">
-            <a:extLst>
-              <a:ext uri="{FF2B5EF4-FFF2-40B4-BE49-F238E27FC236}">
-                <a16:creationId xmlns:a16="http://schemas.microsoft.com/office/drawing/2014/main" id="{0AF6D9F0-E888-4895-B2F2-8AD2D7FACC83}"/>
-              </a:ext>
-            </a:extLst>
-          </p:cNvPr>
-          <p:cNvSpPr>
-            <a:spLocks noGrp="1"/>
-          </p:cNvSpPr>
-          <p:nvPr>
-            <p:ph type="title"/>
-          </p:nvPr>
-        </p:nvSpPr>
-        <p:spPr>
-          <a:solidFill>
-            <a:srgbClr val="FF0000"/>
-          </a:solidFill>
-        </p:spPr>
-        <p:txBody>
-          <a:bodyPr/>
-          <a:lstStyle/>
-          <a:p>
-            <a:pPr algn="ctr"/>
-            <a:r>
-              <a:rPr lang="es-MX" b="1" dirty="0"/>
-              <a:t>E X T R A O R DI N A R I O </a:t>
-            </a:r>
-          </a:p>
-        </p:txBody>
-      </p:sp>
-      <p:sp>
-        <p:nvSpPr>
-          <p:cNvPr id="3" name="Marcador de contenido 2">
-            <a:extLst>
-              <a:ext uri="{FF2B5EF4-FFF2-40B4-BE49-F238E27FC236}">
-                <a16:creationId xmlns:a16="http://schemas.microsoft.com/office/drawing/2014/main" id="{2FEFE455-553F-4E86-9548-9D772399FDEA}"/>
-              </a:ext>
-            </a:extLst>
-          </p:cNvPr>
-          <p:cNvSpPr>
-            <a:spLocks noGrp="1"/>
-          </p:cNvSpPr>
-          <p:nvPr>
-            <p:ph idx="1"/>
-          </p:nvPr>
-        </p:nvSpPr>
-        <p:spPr>
-          <a:solidFill>
-            <a:schemeClr val="accent2">
-              <a:lumMod val="20000"/>
-              <a:lumOff val="80000"/>
-            </a:schemeClr>
-          </a:solidFill>
-        </p:spPr>
-        <p:txBody>
-          <a:bodyPr/>
-          <a:lstStyle/>
-          <a:p>
-            <a:pPr marL="457200" lvl="1" indent="0" algn="ctr">
-              <a:buNone/>
-            </a:pPr>
-            <a:endParaRPr lang="es-MX" sz="5500" b="1" dirty="0"/>
-          </a:p>
-          <a:p>
-            <a:pPr marL="457200" lvl="1" indent="0" algn="ctr">
-              <a:buNone/>
-            </a:pPr>
-            <a:r>
-              <a:rPr lang="es-MX" sz="5500" b="1" dirty="0"/>
-              <a:t>Examen de conocimientos.</a:t>
-            </a:r>
-          </a:p>
-          <a:p>
-            <a:pPr marL="0" indent="0" algn="ctr">
-              <a:buNone/>
-            </a:pPr>
-            <a:r>
-              <a:rPr lang="es-MX" dirty="0"/>
-              <a:t>30 preguntas de opción múltiple y 10 preguntas abiertas sobre los temas revisados a lo largo de todo el curso.</a:t>
-            </a:r>
-            <a:endParaRPr lang="es-MX" sz="4800" dirty="0"/>
-          </a:p>
-          <a:p>
-            <a:pPr marL="0" indent="0">
-              <a:buNone/>
-            </a:pPr>
-            <a:endParaRPr lang="es-MX" dirty="0"/>
-          </a:p>
-        </p:txBody>
-      </p:sp>
-    </p:spTree>
-    <p:extLst>
-      <p:ext uri="{BB962C8B-B14F-4D97-AF65-F5344CB8AC3E}">
-        <p14:creationId xmlns:p14="http://schemas.microsoft.com/office/powerpoint/2010/main" val="2919591534"/>
+        <p14:creationId xmlns:p14="http://schemas.microsoft.com/office/powerpoint/2010/main" val="2192773826"/>
       </p:ext>
     </p:extLst>
   </p:cSld>
@@ -3748,7 +3455,7 @@
           <p:cNvPr id="2" name="Título 1">
             <a:extLst>
               <a:ext uri="{FF2B5EF4-FFF2-40B4-BE49-F238E27FC236}">
-                <a16:creationId xmlns:a16="http://schemas.microsoft.com/office/drawing/2014/main" id="{D6AEDE13-36EE-45D3-A922-7610F58413A5}"/>
+                <a16:creationId xmlns:a16="http://schemas.microsoft.com/office/drawing/2014/main" id="{6837F770-02A5-4B05-A9EA-DEA091973DC2}"/>
               </a:ext>
             </a:extLst>
           </p:cNvPr>
@@ -3759,14 +3466,25 @@
             <p:ph type="title"/>
           </p:nvPr>
         </p:nvSpPr>
-        <p:spPr/>
+        <p:spPr>
+          <a:xfrm>
+            <a:off x="292916" y="130130"/>
+            <a:ext cx="10515600" cy="1325563"/>
+          </a:xfrm>
+          <a:solidFill>
+            <a:schemeClr val="accent4">
+              <a:lumMod val="60000"/>
+              <a:lumOff val="40000"/>
+            </a:schemeClr>
+          </a:solidFill>
+        </p:spPr>
         <p:txBody>
           <a:bodyPr/>
           <a:lstStyle/>
           <a:p>
             <a:r>
               <a:rPr lang="es-MX" dirty="0"/>
-              <a:t>Evaluación Final</a:t>
+              <a:t>PRIMERA VUELTA – Evaluación Final</a:t>
             </a:r>
           </a:p>
         </p:txBody>
@@ -3776,7 +3494,7 @@
           <p:cNvPr id="3" name="Marcador de contenido 2">
             <a:extLst>
               <a:ext uri="{FF2B5EF4-FFF2-40B4-BE49-F238E27FC236}">
-                <a16:creationId xmlns:a16="http://schemas.microsoft.com/office/drawing/2014/main" id="{12186DB7-DA47-4F3F-9415-ADE84A81A487}"/>
+                <a16:creationId xmlns:a16="http://schemas.microsoft.com/office/drawing/2014/main" id="{31F2CC44-F55B-4F0C-8330-5F6B95AD3F7D}"/>
               </a:ext>
             </a:extLst>
           </p:cNvPr>
@@ -3787,66 +3505,50 @@
             <p:ph idx="1"/>
           </p:nvPr>
         </p:nvSpPr>
-        <p:spPr/>
-        <p:txBody>
-          <a:bodyPr/>
-          <a:lstStyle/>
+        <p:spPr>
+          <a:xfrm>
+            <a:off x="1233182" y="2189527"/>
+            <a:ext cx="10120618" cy="4303348"/>
+          </a:xfrm>
+          <a:solidFill>
+            <a:schemeClr val="accent4">
+              <a:lumMod val="20000"/>
+              <a:lumOff val="80000"/>
+            </a:schemeClr>
+          </a:solidFill>
+        </p:spPr>
+        <p:txBody>
+          <a:bodyPr>
+            <a:normAutofit/>
+          </a:bodyPr>
+          <a:lstStyle/>
+          <a:p>
+            <a:pPr marL="457200" lvl="1" indent="0">
+              <a:buNone/>
+            </a:pPr>
+            <a:endParaRPr lang="es-MX" dirty="0"/>
+          </a:p>
+          <a:p>
+            <a:pPr marL="457200" lvl="1" indent="0" algn="ctr">
+              <a:buNone/>
+            </a:pPr>
+            <a:r>
+              <a:rPr lang="es-MX" sz="5000" dirty="0"/>
+              <a:t>Entrega de un NUEVO trabajo de investigación COMPLETO, que cumpla con las características descritas en el archivo “Formato TMI”.</a:t>
+            </a:r>
+          </a:p>
           <a:p>
             <a:pPr marL="0" indent="0">
               <a:buNone/>
             </a:pPr>
-            <a:r>
-              <a:rPr lang="es-MX" dirty="0"/>
-              <a:t>1.- Para exentar la evaluación final se requiere:</a:t>
-            </a:r>
-          </a:p>
-          <a:p>
-            <a:pPr lvl="1"/>
-            <a:r>
-              <a:rPr lang="es-MX" dirty="0"/>
-              <a:t>Promedio anual de 9.0 (o más)</a:t>
-            </a:r>
-          </a:p>
-          <a:p>
-            <a:pPr lvl="1"/>
-            <a:r>
-              <a:rPr lang="es-MX" dirty="0"/>
-              <a:t>80% de asistencia</a:t>
-            </a:r>
-          </a:p>
-          <a:p>
-            <a:pPr lvl="1"/>
             <a:endParaRPr lang="es-MX" dirty="0"/>
-          </a:p>
-          <a:p>
-            <a:pPr marL="0" indent="0">
-              <a:buNone/>
-            </a:pPr>
-            <a:r>
-              <a:rPr lang="es-MX" b="1" dirty="0"/>
-              <a:t>2.- Para aquellos que tengan que presentar final, su calificación definitiva en actas estará compuesta de la siguiente forma:</a:t>
-            </a:r>
-          </a:p>
-          <a:p>
-            <a:pPr lvl="1"/>
-            <a:r>
-              <a:rPr lang="es-MX" b="1" dirty="0"/>
-              <a:t>60%  - Calificación anual en la materia</a:t>
-            </a:r>
-          </a:p>
-          <a:p>
-            <a:pPr lvl="1"/>
-            <a:r>
-              <a:rPr lang="es-MX" b="1" dirty="0"/>
-              <a:t>40%  - Calificación en la Evaluación final (únicamente en caso de ser aprobatoria)</a:t>
-            </a:r>
           </a:p>
         </p:txBody>
       </p:sp>
     </p:spTree>
     <p:extLst>
       <p:ext uri="{BB962C8B-B14F-4D97-AF65-F5344CB8AC3E}">
-        <p14:creationId xmlns:p14="http://schemas.microsoft.com/office/powerpoint/2010/main" val="2687827664"/>
+        <p14:creationId xmlns:p14="http://schemas.microsoft.com/office/powerpoint/2010/main" val="3834140402"/>
       </p:ext>
     </p:extLst>
   </p:cSld>
@@ -3878,7 +3580,7 @@
           <p:cNvPr id="2" name="Título 1">
             <a:extLst>
               <a:ext uri="{FF2B5EF4-FFF2-40B4-BE49-F238E27FC236}">
-                <a16:creationId xmlns:a16="http://schemas.microsoft.com/office/drawing/2014/main" id="{D6AEDE13-36EE-45D3-A922-7610F58413A5}"/>
+                <a16:creationId xmlns:a16="http://schemas.microsoft.com/office/drawing/2014/main" id="{6837F770-02A5-4B05-A9EA-DEA091973DC2}"/>
               </a:ext>
             </a:extLst>
           </p:cNvPr>
@@ -3889,14 +3591,25 @@
             <p:ph type="title"/>
           </p:nvPr>
         </p:nvSpPr>
-        <p:spPr/>
+        <p:spPr>
+          <a:xfrm>
+            <a:off x="292916" y="130130"/>
+            <a:ext cx="10515600" cy="1325563"/>
+          </a:xfrm>
+          <a:solidFill>
+            <a:schemeClr val="accent4">
+              <a:lumMod val="60000"/>
+              <a:lumOff val="40000"/>
+            </a:schemeClr>
+          </a:solidFill>
+        </p:spPr>
         <p:txBody>
           <a:bodyPr/>
           <a:lstStyle/>
           <a:p>
             <a:r>
               <a:rPr lang="es-MX" dirty="0"/>
-              <a:t>Evaluación Final</a:t>
+              <a:t>PRIMERA VUELTA – Evaluación Final</a:t>
             </a:r>
           </a:p>
         </p:txBody>
@@ -3906,7 +3619,7 @@
           <p:cNvPr id="3" name="Marcador de contenido 2">
             <a:extLst>
               <a:ext uri="{FF2B5EF4-FFF2-40B4-BE49-F238E27FC236}">
-                <a16:creationId xmlns:a16="http://schemas.microsoft.com/office/drawing/2014/main" id="{12186DB7-DA47-4F3F-9415-ADE84A81A487}"/>
+                <a16:creationId xmlns:a16="http://schemas.microsoft.com/office/drawing/2014/main" id="{31F2CC44-F55B-4F0C-8330-5F6B95AD3F7D}"/>
               </a:ext>
             </a:extLst>
           </p:cNvPr>
@@ -3917,84 +3630,57 @@
             <p:ph idx="1"/>
           </p:nvPr>
         </p:nvSpPr>
-        <p:spPr/>
-        <p:txBody>
-          <a:bodyPr/>
-          <a:lstStyle/>
-          <a:p>
-            <a:pPr marL="0" indent="0">
-              <a:buNone/>
-            </a:pPr>
-            <a:r>
-              <a:rPr lang="es-MX" dirty="0"/>
-              <a:t>La Evaluación Final se realiza en </a:t>
-            </a:r>
-            <a:r>
-              <a:rPr lang="es-MX" b="1" dirty="0"/>
-              <a:t>dos vueltas</a:t>
-            </a:r>
-            <a:r>
-              <a:rPr lang="es-MX" dirty="0"/>
-              <a:t>, es decir, tienen </a:t>
-            </a:r>
-            <a:r>
-              <a:rPr lang="es-MX" b="1" dirty="0"/>
-              <a:t>dos oportunidades </a:t>
-            </a:r>
-            <a:r>
-              <a:rPr lang="es-MX" dirty="0"/>
-              <a:t>para acreditarla.</a:t>
-            </a:r>
-          </a:p>
-          <a:p>
-            <a:pPr marL="0" indent="0">
+        <p:spPr>
+          <a:xfrm>
+            <a:off x="763398" y="2204309"/>
+            <a:ext cx="10120618" cy="2971698"/>
+          </a:xfrm>
+          <a:solidFill>
+            <a:schemeClr val="accent4">
+              <a:lumMod val="20000"/>
+              <a:lumOff val="80000"/>
+            </a:schemeClr>
+          </a:solidFill>
+        </p:spPr>
+        <p:txBody>
+          <a:bodyPr>
+            <a:normAutofit fontScale="92500" lnSpcReduction="10000"/>
+          </a:bodyPr>
+          <a:lstStyle/>
+          <a:p>
+            <a:pPr marL="457200" lvl="1" indent="0">
               <a:buNone/>
             </a:pPr>
             <a:endParaRPr lang="es-MX" dirty="0"/>
           </a:p>
           <a:p>
+            <a:pPr marL="457200" lvl="1" indent="0" algn="ctr">
+              <a:buNone/>
+            </a:pPr>
+            <a:r>
+              <a:rPr lang="es-MX" sz="5000" u="sng" dirty="0"/>
+              <a:t>Viernes 29 de mayo</a:t>
+            </a:r>
+          </a:p>
+          <a:p>
+            <a:pPr marL="457200" lvl="1" indent="0" algn="ctr">
+              <a:buNone/>
+            </a:pPr>
+            <a:endParaRPr lang="es-MX" sz="5000" u="sng" dirty="0"/>
+          </a:p>
+          <a:p>
+            <a:pPr marL="457200" lvl="1" indent="0" algn="ctr">
+              <a:buNone/>
+            </a:pPr>
+            <a:r>
+              <a:rPr lang="es-MX" sz="5000" b="1" dirty="0"/>
+              <a:t>Las entregas después de la hora de clase se califican sobre 8</a:t>
+            </a:r>
+          </a:p>
+          <a:p>
             <a:pPr marL="0" indent="0">
               <a:buNone/>
             </a:pPr>
-            <a:r>
-              <a:rPr lang="es-MX" dirty="0"/>
-              <a:t>Sólo los alumnos que </a:t>
-            </a:r>
-            <a:r>
-              <a:rPr lang="es-MX" b="1" dirty="0"/>
-              <a:t>no aprueben</a:t>
-            </a:r>
-            <a:r>
-              <a:rPr lang="es-MX" dirty="0"/>
-              <a:t> la primera vuelta tendrán que presentar la segunda, (cada vuelta tiene sus propias características)</a:t>
-            </a:r>
-          </a:p>
-          <a:p>
-            <a:pPr marL="0" indent="0">
-              <a:buNone/>
-            </a:pPr>
-            <a:endParaRPr lang="es-MX" dirty="0"/>
-          </a:p>
-          <a:p>
-            <a:pPr marL="0" indent="0">
-              <a:buNone/>
-            </a:pPr>
-            <a:r>
-              <a:rPr lang="es-MX" dirty="0"/>
-              <a:t>Los alumnos que </a:t>
-            </a:r>
-            <a:r>
-              <a:rPr lang="es-MX" b="1" dirty="0"/>
-              <a:t>no aprueben ninguna de las dos vueltas</a:t>
-            </a:r>
-            <a:r>
-              <a:rPr lang="es-MX" dirty="0"/>
-              <a:t>, se irán directamente a </a:t>
-            </a:r>
-            <a:r>
-              <a:rPr lang="es-MX" b="1" dirty="0"/>
-              <a:t>examen extraordinario.</a:t>
-            </a:r>
             <a:endParaRPr lang="es-MX" dirty="0"/>
           </a:p>
         </p:txBody>
@@ -4002,7 +3688,7 @@
     </p:spTree>
     <p:extLst>
       <p:ext uri="{BB962C8B-B14F-4D97-AF65-F5344CB8AC3E}">
-        <p14:creationId xmlns:p14="http://schemas.microsoft.com/office/powerpoint/2010/main" val="4279556734"/>
+        <p14:creationId xmlns:p14="http://schemas.microsoft.com/office/powerpoint/2010/main" val="3143695486"/>
       </p:ext>
     </p:extLst>
   </p:cSld>
@@ -4034,7 +3720,7 @@
           <p:cNvPr id="2" name="Título 1">
             <a:extLst>
               <a:ext uri="{FF2B5EF4-FFF2-40B4-BE49-F238E27FC236}">
-                <a16:creationId xmlns:a16="http://schemas.microsoft.com/office/drawing/2014/main" id="{1853D0B2-9101-4D51-9B0B-51F2DE4C404C}"/>
+                <a16:creationId xmlns:a16="http://schemas.microsoft.com/office/drawing/2014/main" id="{6837F770-02A5-4B05-A9EA-DEA091973DC2}"/>
               </a:ext>
             </a:extLst>
           </p:cNvPr>
@@ -4047,26 +3733,23 @@
         </p:nvSpPr>
         <p:spPr>
           <a:xfrm>
-            <a:off x="838200" y="365125"/>
+            <a:off x="259360" y="130130"/>
             <a:ext cx="10515600" cy="1325563"/>
           </a:xfrm>
+          <a:solidFill>
+            <a:schemeClr val="accent4">
+              <a:lumMod val="60000"/>
+              <a:lumOff val="40000"/>
+            </a:schemeClr>
+          </a:solidFill>
         </p:spPr>
         <p:txBody>
           <a:bodyPr/>
           <a:lstStyle/>
           <a:p>
-            <a:pPr algn="ctr"/>
             <a:r>
               <a:rPr lang="es-MX" dirty="0"/>
-              <a:t>Alumnos que </a:t>
-            </a:r>
-            <a:r>
-              <a:rPr lang="es-MX" b="1" dirty="0"/>
-              <a:t>definitivamente* </a:t>
-            </a:r>
-            <a:r>
-              <a:rPr lang="es-MX" dirty="0"/>
-              <a:t>están en examen final</a:t>
+              <a:t>PRIMERA VUELTA – Evaluación Final</a:t>
             </a:r>
           </a:p>
         </p:txBody>
@@ -4076,7 +3759,7 @@
           <p:cNvPr id="3" name="Marcador de contenido 2">
             <a:extLst>
               <a:ext uri="{FF2B5EF4-FFF2-40B4-BE49-F238E27FC236}">
-                <a16:creationId xmlns:a16="http://schemas.microsoft.com/office/drawing/2014/main" id="{DE058730-9FD1-4310-B6F4-86ACC31EDDE4}"/>
+                <a16:creationId xmlns:a16="http://schemas.microsoft.com/office/drawing/2014/main" id="{31F2CC44-F55B-4F0C-8330-5F6B95AD3F7D}"/>
               </a:ext>
             </a:extLst>
           </p:cNvPr>
@@ -4087,89 +3770,102 @@
             <p:ph idx="1"/>
           </p:nvPr>
         </p:nvSpPr>
-        <p:spPr/>
+        <p:spPr>
+          <a:xfrm>
+            <a:off x="570451" y="1434517"/>
+            <a:ext cx="10783349" cy="5058358"/>
+          </a:xfrm>
+        </p:spPr>
         <p:txBody>
           <a:bodyPr>
-            <a:normAutofit fontScale="77500" lnSpcReduction="20000"/>
+            <a:normAutofit lnSpcReduction="10000"/>
           </a:bodyPr>
           <a:lstStyle/>
           <a:p>
-            <a:r>
-              <a:rPr lang="es-MX" dirty="0"/>
-              <a:t>Andrea Aldaco</a:t>
-            </a:r>
-          </a:p>
-          <a:p>
-            <a:r>
-              <a:rPr lang="es-MX" dirty="0"/>
-              <a:t>Ximena Bravo</a:t>
-            </a:r>
-          </a:p>
-          <a:p>
-            <a:r>
-              <a:rPr lang="es-MX" dirty="0"/>
-              <a:t>Arely Caloca</a:t>
-            </a:r>
-          </a:p>
-          <a:p>
-            <a:r>
-              <a:rPr lang="es-MX" dirty="0"/>
-              <a:t>Diego Figueroa</a:t>
-            </a:r>
-          </a:p>
-          <a:p>
-            <a:r>
-              <a:rPr lang="es-MX" dirty="0"/>
-              <a:t>Nicole Galván</a:t>
-            </a:r>
-          </a:p>
-          <a:p>
-            <a:r>
-              <a:rPr lang="es-MX" dirty="0"/>
-              <a:t>Max Guerrero</a:t>
-            </a:r>
-          </a:p>
-          <a:p>
-            <a:r>
-              <a:rPr lang="es-MX" dirty="0"/>
-              <a:t>Rodrigo Lili</a:t>
-            </a:r>
-          </a:p>
-          <a:p>
-            <a:r>
-              <a:rPr lang="es-MX" dirty="0"/>
-              <a:t>Jorge Muñiz</a:t>
-            </a:r>
-          </a:p>
-          <a:p>
+            <a:endParaRPr lang="es-ES" dirty="0"/>
+          </a:p>
+          <a:p>
+            <a:pPr marL="0" indent="0">
+              <a:buNone/>
+            </a:pPr>
+            <a:r>
+              <a:rPr lang="es-ES" dirty="0"/>
+              <a:t>0) Índice y Resumen general del trabajo</a:t>
+            </a:r>
+            <a:endParaRPr lang="es-MX" sz="4800" dirty="0"/>
+          </a:p>
+          <a:p>
+            <a:pPr marL="0" indent="0">
+              <a:buNone/>
+            </a:pPr>
+            <a:r>
+              <a:rPr lang="es-ES" dirty="0"/>
+              <a:t>1) Planteamiento del problema (Pregunta de investigación, justificación y objetivos)</a:t>
+            </a:r>
+            <a:endParaRPr lang="es-MX" sz="4800" dirty="0"/>
+          </a:p>
+          <a:p>
+            <a:pPr marL="0" indent="0">
+              <a:buNone/>
+            </a:pPr>
+            <a:r>
+              <a:rPr lang="es-ES" dirty="0"/>
+              <a:t>2) Un Marco Teórico con al menos 10 referencias.</a:t>
+            </a:r>
+            <a:endParaRPr lang="es-MX" sz="4800" dirty="0"/>
+          </a:p>
+          <a:p>
+            <a:pPr marL="0" indent="0">
+              <a:buNone/>
+            </a:pPr>
+            <a:r>
+              <a:rPr lang="es-ES" dirty="0"/>
+              <a:t>3) Un Método completo y detallado (Señalando técnica de selección de la muestra, procedimiento y materiales empleados)</a:t>
+            </a:r>
+            <a:endParaRPr lang="es-MX" sz="4800" dirty="0"/>
+          </a:p>
+          <a:p>
+            <a:pPr marL="0" indent="0">
+              <a:buNone/>
+            </a:pPr>
+            <a:r>
+              <a:rPr lang="es-ES" dirty="0"/>
+              <a:t>4) Recolección y presentación de datos mediante el uso de recursos gráficos.</a:t>
+            </a:r>
+            <a:endParaRPr lang="es-MX" sz="4800" dirty="0"/>
+          </a:p>
+          <a:p>
+            <a:pPr marL="0" indent="0">
+              <a:buNone/>
+            </a:pPr>
+            <a:r>
+              <a:rPr lang="es-ES" dirty="0"/>
+              <a:t>5) Discusión y Conclusiones</a:t>
+            </a:r>
+            <a:endParaRPr lang="es-MX" sz="4800" dirty="0"/>
+          </a:p>
+          <a:p>
+            <a:pPr marL="0" indent="0">
+              <a:buNone/>
+            </a:pPr>
+            <a:r>
+              <a:rPr lang="es-ES" dirty="0"/>
+              <a:t>6) Bibliografía con referencias estilo APA.</a:t>
+            </a:r>
+            <a:endParaRPr lang="es-MX" sz="4800" dirty="0"/>
+          </a:p>
+          <a:p>
+            <a:pPr marL="0" indent="0">
+              <a:buNone/>
+            </a:pPr>
             <a:endParaRPr lang="es-MX" dirty="0"/>
-          </a:p>
-          <a:p>
-            <a:endParaRPr lang="es-MX" dirty="0"/>
-          </a:p>
-          <a:p>
-            <a:pPr marL="0" indent="0">
-              <a:buNone/>
-            </a:pPr>
-            <a:r>
-              <a:rPr lang="es-MX" dirty="0"/>
-              <a:t>*Dadas las calificaciones registradas en los primeros tres periodos, estos alumnos no alcanzarían el promedio de 9.0 anual </a:t>
-            </a:r>
-            <a:r>
-              <a:rPr lang="es-MX" b="1" dirty="0"/>
-              <a:t>ni aún</a:t>
-            </a:r>
-            <a:r>
-              <a:rPr lang="es-MX" dirty="0"/>
-              <a:t> sacando 10 en el cuarto periodo.</a:t>
-            </a:r>
           </a:p>
         </p:txBody>
       </p:sp>
     </p:spTree>
     <p:extLst>
       <p:ext uri="{BB962C8B-B14F-4D97-AF65-F5344CB8AC3E}">
-        <p14:creationId xmlns:p14="http://schemas.microsoft.com/office/powerpoint/2010/main" val="3853148005"/>
+        <p14:creationId xmlns:p14="http://schemas.microsoft.com/office/powerpoint/2010/main" val="1065823087"/>
       </p:ext>
     </p:extLst>
   </p:cSld>
@@ -4201,7 +3897,7 @@
           <p:cNvPr id="2" name="Título 1">
             <a:extLst>
               <a:ext uri="{FF2B5EF4-FFF2-40B4-BE49-F238E27FC236}">
-                <a16:creationId xmlns:a16="http://schemas.microsoft.com/office/drawing/2014/main" id="{1853D0B2-9101-4D51-9B0B-51F2DE4C404C}"/>
+                <a16:creationId xmlns:a16="http://schemas.microsoft.com/office/drawing/2014/main" id="{6837F770-02A5-4B05-A9EA-DEA091973DC2}"/>
               </a:ext>
             </a:extLst>
           </p:cNvPr>
@@ -4214,9 +3910,54 @@
         </p:nvSpPr>
         <p:spPr>
           <a:xfrm>
-            <a:off x="688298" y="20351"/>
+            <a:off x="292916" y="130130"/>
             <a:ext cx="10515600" cy="1325563"/>
           </a:xfrm>
+          <a:solidFill>
+            <a:schemeClr val="accent4">
+              <a:lumMod val="60000"/>
+              <a:lumOff val="40000"/>
+            </a:schemeClr>
+          </a:solidFill>
+        </p:spPr>
+        <p:txBody>
+          <a:bodyPr/>
+          <a:lstStyle/>
+          <a:p>
+            <a:r>
+              <a:rPr lang="es-MX" dirty="0"/>
+              <a:t>PRIMERA VUELTA – Evaluación Final</a:t>
+            </a:r>
+          </a:p>
+        </p:txBody>
+      </p:sp>
+      <p:sp>
+        <p:nvSpPr>
+          <p:cNvPr id="3" name="Marcador de contenido 2">
+            <a:extLst>
+              <a:ext uri="{FF2B5EF4-FFF2-40B4-BE49-F238E27FC236}">
+                <a16:creationId xmlns:a16="http://schemas.microsoft.com/office/drawing/2014/main" id="{31F2CC44-F55B-4F0C-8330-5F6B95AD3F7D}"/>
+              </a:ext>
+            </a:extLst>
+          </p:cNvPr>
+          <p:cNvSpPr>
+            <a:spLocks noGrp="1"/>
+          </p:cNvSpPr>
+          <p:nvPr>
+            <p:ph idx="1"/>
+          </p:nvPr>
+        </p:nvSpPr>
+        <p:spPr>
+          <a:xfrm>
+            <a:off x="1233182" y="2189527"/>
+            <a:ext cx="10120618" cy="4303348"/>
+          </a:xfrm>
+          <a:solidFill>
+            <a:schemeClr val="accent4">
+              <a:lumMod val="20000"/>
+              <a:lumOff val="80000"/>
+            </a:schemeClr>
+          </a:solidFill>
         </p:spPr>
         <p:txBody>
           <a:bodyPr>
@@ -4224,276 +3965,24 @@
           </a:bodyPr>
           <a:lstStyle/>
           <a:p>
-            <a:pPr algn="ctr"/>
-            <a:r>
-              <a:rPr lang="es-MX" sz="3000" dirty="0"/>
-              <a:t>¿Qué calificación requieren los demás alumnos para exentar el final?</a:t>
-            </a:r>
-          </a:p>
-        </p:txBody>
-      </p:sp>
-      <p:sp>
-        <p:nvSpPr>
-          <p:cNvPr id="3" name="Marcador de contenido 2">
-            <a:extLst>
-              <a:ext uri="{FF2B5EF4-FFF2-40B4-BE49-F238E27FC236}">
-                <a16:creationId xmlns:a16="http://schemas.microsoft.com/office/drawing/2014/main" id="{DE058730-9FD1-4310-B6F4-86ACC31EDDE4}"/>
-              </a:ext>
-            </a:extLst>
-          </p:cNvPr>
-          <p:cNvSpPr>
-            <a:spLocks noGrp="1"/>
-          </p:cNvSpPr>
-          <p:nvPr>
-            <p:ph idx="1"/>
-          </p:nvPr>
-        </p:nvSpPr>
-        <p:spPr>
-          <a:xfrm>
-            <a:off x="284814" y="1345914"/>
-            <a:ext cx="11024016" cy="5263682"/>
-          </a:xfrm>
-        </p:spPr>
-        <p:txBody>
-          <a:bodyPr>
-            <a:normAutofit fontScale="70000" lnSpcReduction="20000"/>
-          </a:bodyPr>
-          <a:lstStyle/>
-          <a:p>
-            <a:r>
-              <a:rPr lang="es-MX" dirty="0"/>
-              <a:t>Hania Cordero (se necesita una calificación de </a:t>
-            </a:r>
-            <a:r>
-              <a:rPr lang="es-MX" b="1" dirty="0"/>
-              <a:t>6 o más</a:t>
-            </a:r>
-            <a:r>
-              <a:rPr lang="es-MX" dirty="0"/>
-              <a:t> para alcanzar el 9)</a:t>
-            </a:r>
-          </a:p>
-          <a:p>
-            <a:r>
-              <a:rPr lang="es-MX" dirty="0"/>
-              <a:t>Vale García (se necesita una calificación de </a:t>
-            </a:r>
-            <a:r>
-              <a:rPr lang="es-MX" b="1" dirty="0"/>
-              <a:t>6.5 o más</a:t>
-            </a:r>
-            <a:r>
-              <a:rPr lang="es-MX" dirty="0"/>
-              <a:t> para alcanzar el 9)</a:t>
-            </a:r>
-          </a:p>
-          <a:p>
-            <a:r>
-              <a:rPr lang="es-MX" dirty="0"/>
-              <a:t>Renata Heredia (se necesita una calificación de </a:t>
-            </a:r>
-            <a:r>
-              <a:rPr lang="es-MX" b="1" dirty="0"/>
-              <a:t>7.5 o más</a:t>
-            </a:r>
-            <a:r>
-              <a:rPr lang="es-MX" dirty="0"/>
-              <a:t> para alcanzar el 9)</a:t>
-            </a:r>
-          </a:p>
-          <a:p>
-            <a:r>
-              <a:rPr lang="es-MX" dirty="0"/>
-              <a:t>Fátima León  (se necesita una calificación de </a:t>
-            </a:r>
-            <a:r>
-              <a:rPr lang="es-MX" b="1" dirty="0"/>
-              <a:t>6.5 o más</a:t>
-            </a:r>
-            <a:r>
-              <a:rPr lang="es-MX" dirty="0"/>
-              <a:t> para alcanzar el 9)</a:t>
-            </a:r>
-          </a:p>
-          <a:p>
-            <a:r>
-              <a:rPr lang="es-MX" dirty="0"/>
-              <a:t>David López  (se necesita una calificación de </a:t>
-            </a:r>
-            <a:r>
-              <a:rPr lang="es-MX" b="1" dirty="0"/>
-              <a:t>6 o más</a:t>
-            </a:r>
-            <a:r>
-              <a:rPr lang="es-MX" dirty="0"/>
-              <a:t> para alcanzar el 9)</a:t>
-            </a:r>
-          </a:p>
-          <a:p>
-            <a:r>
-              <a:rPr lang="es-MX" dirty="0"/>
-              <a:t>Roque </a:t>
-            </a:r>
-            <a:r>
-              <a:rPr lang="es-MX" dirty="0" err="1"/>
-              <a:t>Macouzet</a:t>
-            </a:r>
-            <a:r>
-              <a:rPr lang="es-MX" dirty="0"/>
-              <a:t>  (se necesita una calificación de </a:t>
-            </a:r>
-            <a:r>
-              <a:rPr lang="es-MX" b="1" dirty="0"/>
-              <a:t>8.7 o más</a:t>
-            </a:r>
-            <a:r>
-              <a:rPr lang="es-MX" dirty="0"/>
-              <a:t> para alcanzar el 9)</a:t>
-            </a:r>
-          </a:p>
-          <a:p>
-            <a:r>
-              <a:rPr lang="es-MX" dirty="0"/>
-              <a:t>Úrsula Matos  (se necesita una calificación de </a:t>
-            </a:r>
-            <a:r>
-              <a:rPr lang="es-MX" b="1" dirty="0"/>
-              <a:t>8 o más</a:t>
-            </a:r>
-            <a:r>
-              <a:rPr lang="es-MX" dirty="0"/>
-              <a:t> para alcanzar el 9)</a:t>
-            </a:r>
-          </a:p>
-          <a:p>
-            <a:r>
-              <a:rPr lang="es-MX" dirty="0"/>
-              <a:t>Gabriel Mier y Concha  (se necesita una calificación de </a:t>
-            </a:r>
-            <a:r>
-              <a:rPr lang="es-MX" b="1" dirty="0"/>
-              <a:t>7 o más</a:t>
-            </a:r>
-            <a:r>
-              <a:rPr lang="es-MX" dirty="0"/>
-              <a:t> para alcanzar el 9)</a:t>
-            </a:r>
-          </a:p>
-          <a:p>
-            <a:r>
-              <a:rPr lang="es-MX" dirty="0"/>
-              <a:t>Carlo Muñoz  (se necesita una calificación de </a:t>
-            </a:r>
-            <a:r>
-              <a:rPr lang="es-MX" b="1" dirty="0"/>
-              <a:t>8.7 o más</a:t>
-            </a:r>
-            <a:r>
-              <a:rPr lang="es-MX" dirty="0"/>
-              <a:t> para alcanzar el 9)</a:t>
-            </a:r>
-          </a:p>
-          <a:p>
-            <a:r>
-              <a:rPr lang="es-MX" dirty="0"/>
-              <a:t>Rodrigo Núñez  (se necesita una calificación de </a:t>
-            </a:r>
-            <a:r>
-              <a:rPr lang="es-MX" b="1" dirty="0"/>
-              <a:t>8.5 o más</a:t>
-            </a:r>
-            <a:r>
-              <a:rPr lang="es-MX" dirty="0"/>
-              <a:t> para alcanzar el 9)</a:t>
-            </a:r>
-          </a:p>
-          <a:p>
-            <a:r>
-              <a:rPr lang="es-MX" dirty="0"/>
-              <a:t>Vale Padilla  (se necesita una calificación de </a:t>
-            </a:r>
-            <a:r>
-              <a:rPr lang="es-MX" b="1" dirty="0"/>
-              <a:t>8 o más</a:t>
-            </a:r>
-            <a:r>
-              <a:rPr lang="es-MX" dirty="0"/>
-              <a:t> para alcanzar el 9)</a:t>
-            </a:r>
-          </a:p>
-          <a:p>
-            <a:r>
-              <a:rPr lang="es-MX" dirty="0"/>
-              <a:t>Alexa Rivero  (se necesita una calificación de </a:t>
-            </a:r>
-            <a:r>
-              <a:rPr lang="es-MX" b="1" dirty="0"/>
-              <a:t>6 o más</a:t>
-            </a:r>
-            <a:r>
-              <a:rPr lang="es-MX" dirty="0"/>
-              <a:t> para alcanzar el 9)</a:t>
-            </a:r>
-          </a:p>
-          <a:p>
-            <a:r>
-              <a:rPr lang="es-MX" dirty="0"/>
-              <a:t>Alex </a:t>
-            </a:r>
-            <a:r>
-              <a:rPr lang="es-MX" dirty="0" err="1"/>
-              <a:t>Vasquez</a:t>
-            </a:r>
-            <a:r>
-              <a:rPr lang="es-MX" dirty="0"/>
-              <a:t>  (se necesita una calificación de </a:t>
-            </a:r>
-            <a:r>
-              <a:rPr lang="es-MX" b="1" dirty="0"/>
-              <a:t>7.5 o más</a:t>
-            </a:r>
-            <a:r>
-              <a:rPr lang="es-MX" dirty="0"/>
-              <a:t> para alcanzar el 9)</a:t>
-            </a:r>
-          </a:p>
-          <a:p>
-            <a:r>
-              <a:rPr lang="es-MX" dirty="0"/>
-              <a:t>Arturo Velasco  (se necesita una calificación de </a:t>
-            </a:r>
-            <a:r>
-              <a:rPr lang="es-MX" b="1" dirty="0"/>
-              <a:t>6.1 o más</a:t>
-            </a:r>
-            <a:r>
-              <a:rPr lang="es-MX" dirty="0"/>
-              <a:t> para alcanzar el 9)</a:t>
-            </a:r>
-          </a:p>
-          <a:p>
-            <a:r>
-              <a:rPr lang="es-MX" dirty="0"/>
-              <a:t>Constanza </a:t>
-            </a:r>
-            <a:r>
-              <a:rPr lang="es-MX" dirty="0" err="1"/>
-              <a:t>Zardoni</a:t>
-            </a:r>
-            <a:r>
-              <a:rPr lang="es-MX" dirty="0"/>
-              <a:t>  (se necesita una calificación de </a:t>
-            </a:r>
-            <a:r>
-              <a:rPr lang="es-MX" b="1" dirty="0"/>
-              <a:t>6.5 o más</a:t>
-            </a:r>
-            <a:r>
-              <a:rPr lang="es-MX" dirty="0"/>
-              <a:t> para alcanzar el 9)</a:t>
-            </a:r>
-          </a:p>
-          <a:p>
+            <a:pPr marL="457200" lvl="1" indent="0">
+              <a:buNone/>
+            </a:pPr>
+            <a:endParaRPr lang="es-MX" dirty="0"/>
+          </a:p>
+          <a:p>
+            <a:pPr marL="457200" lvl="1" indent="0" algn="ctr">
+              <a:buNone/>
+            </a:pPr>
+            <a:r>
+              <a:rPr lang="es-MX" sz="5000" dirty="0"/>
+              <a:t>Revisen el archivo “Formato TMI” para garantizar una mejor calificación.</a:t>
+            </a:r>
+          </a:p>
+          <a:p>
+            <a:pPr marL="0" indent="0">
+              <a:buNone/>
+            </a:pPr>
             <a:endParaRPr lang="es-MX" dirty="0"/>
           </a:p>
         </p:txBody>
@@ -4501,7 +3990,7 @@
     </p:spTree>
     <p:extLst>
       <p:ext uri="{BB962C8B-B14F-4D97-AF65-F5344CB8AC3E}">
-        <p14:creationId xmlns:p14="http://schemas.microsoft.com/office/powerpoint/2010/main" val="4023374053"/>
+        <p14:creationId xmlns:p14="http://schemas.microsoft.com/office/powerpoint/2010/main" val="2527521754"/>
       </p:ext>
     </p:extLst>
   </p:cSld>
@@ -4533,7 +4022,7 @@
           <p:cNvPr id="2" name="Título 1">
             <a:extLst>
               <a:ext uri="{FF2B5EF4-FFF2-40B4-BE49-F238E27FC236}">
-                <a16:creationId xmlns:a16="http://schemas.microsoft.com/office/drawing/2014/main" id="{6837F770-02A5-4B05-A9EA-DEA091973DC2}"/>
+                <a16:creationId xmlns:a16="http://schemas.microsoft.com/office/drawing/2014/main" id="{8C6B93B8-AFA5-4DFA-A0A0-C3A70BB14487}"/>
               </a:ext>
             </a:extLst>
           </p:cNvPr>
@@ -4546,11 +4035,11 @@
         </p:nvSpPr>
         <p:spPr>
           <a:xfrm>
-            <a:off x="292916" y="130130"/>
+            <a:off x="217415" y="172178"/>
             <a:ext cx="10515600" cy="1325563"/>
           </a:xfrm>
           <a:solidFill>
-            <a:schemeClr val="accent4">
+            <a:schemeClr val="accent2">
               <a:lumMod val="60000"/>
               <a:lumOff val="40000"/>
             </a:schemeClr>
@@ -4562,7 +4051,7 @@
           <a:p>
             <a:r>
               <a:rPr lang="es-MX" dirty="0"/>
-              <a:t>PRIMERA VUELTA – Evaluación Final</a:t>
+              <a:t>SEGUNDA VUELTA – Evaluación Final</a:t>
             </a:r>
           </a:p>
         </p:txBody>
@@ -4572,7 +4061,7 @@
           <p:cNvPr id="3" name="Marcador de contenido 2">
             <a:extLst>
               <a:ext uri="{FF2B5EF4-FFF2-40B4-BE49-F238E27FC236}">
-                <a16:creationId xmlns:a16="http://schemas.microsoft.com/office/drawing/2014/main" id="{31F2CC44-F55B-4F0C-8330-5F6B95AD3F7D}"/>
+                <a16:creationId xmlns:a16="http://schemas.microsoft.com/office/drawing/2014/main" id="{B319AA4F-618A-4BDF-BBC1-C22D1CE2F01B}"/>
               </a:ext>
             </a:extLst>
           </p:cNvPr>
@@ -4585,21 +4074,28 @@
         </p:nvSpPr>
         <p:spPr>
           <a:xfrm>
-            <a:off x="1233182" y="2189527"/>
-            <a:ext cx="10120618" cy="4303348"/>
+            <a:off x="1426128" y="2256639"/>
+            <a:ext cx="9927672" cy="3920324"/>
           </a:xfrm>
           <a:solidFill>
-            <a:schemeClr val="accent4">
+            <a:schemeClr val="accent2">
               <a:lumMod val="20000"/>
               <a:lumOff val="80000"/>
             </a:schemeClr>
           </a:solidFill>
         </p:spPr>
         <p:txBody>
-          <a:bodyPr>
-            <a:normAutofit/>
-          </a:bodyPr>
-          <a:lstStyle/>
+          <a:bodyPr/>
+          <a:lstStyle/>
+          <a:p>
+            <a:pPr marL="457200" lvl="1" indent="0">
+              <a:buNone/>
+            </a:pPr>
+            <a:r>
+              <a:rPr lang="es-MX" dirty="0"/>
+              <a:t>Examen de respuesta abierta:</a:t>
+            </a:r>
+          </a:p>
           <a:p>
             <a:pPr marL="457200" lvl="1" indent="0">
               <a:buNone/>
@@ -4607,18 +4103,50 @@
             <a:endParaRPr lang="es-MX" dirty="0"/>
           </a:p>
           <a:p>
-            <a:pPr marL="457200" lvl="1" indent="0" algn="ctr">
+            <a:pPr marL="457200" lvl="1" indent="0">
               <a:buNone/>
             </a:pPr>
             <a:r>
-              <a:rPr lang="es-MX" sz="5000" dirty="0"/>
-              <a:t>Entrega de un NUEVO trabajo de investigación COMPLETO, que cumpla con las características descritas en el archivo “Formato TMI”.</a:t>
-            </a:r>
-          </a:p>
-          <a:p>
-            <a:pPr marL="0" indent="0">
+              <a:rPr lang="es-MX" dirty="0"/>
+              <a:t>En cuanto se les notifique que tienen que presentar su segunda vuelta, se les asignará y enviará por correo un artículo de investigación </a:t>
+            </a:r>
+            <a:r>
+              <a:rPr lang="es-MX" b="1" dirty="0"/>
+              <a:t>breve y en español </a:t>
+            </a:r>
+            <a:r>
+              <a:rPr lang="es-MX" dirty="0"/>
+              <a:t>y una copia de las preguntas que deberán responder con base en el artículo. Los detalles sobre el día y hora de entrega del examen de la segunda vuelta se darán más adelante.</a:t>
+            </a:r>
+          </a:p>
+          <a:p>
+            <a:pPr marL="457200" lvl="1" indent="0">
               <a:buNone/>
             </a:pPr>
+            <a:endParaRPr lang="es-MX" dirty="0"/>
+          </a:p>
+          <a:p>
+            <a:pPr marL="457200" lvl="1" indent="0">
+              <a:buNone/>
+            </a:pPr>
+            <a:r>
+              <a:rPr lang="es-MX" b="1" dirty="0"/>
+              <a:t>Si copian y pegan alguna sección del artículo, el examen queda reprobado en automático.</a:t>
+            </a:r>
+          </a:p>
+          <a:p>
+            <a:pPr marL="457200" lvl="1" indent="0">
+              <a:buNone/>
+            </a:pPr>
+            <a:endParaRPr lang="es-MX" sz="4400" dirty="0"/>
+          </a:p>
+          <a:p>
+            <a:pPr marL="457200" lvl="1" indent="0">
+              <a:buNone/>
+            </a:pPr>
+            <a:endParaRPr lang="es-MX" sz="4400" dirty="0"/>
+          </a:p>
+          <a:p>
             <a:endParaRPr lang="es-MX" dirty="0"/>
           </a:p>
         </p:txBody>
@@ -4626,7 +4154,7 @@
     </p:spTree>
     <p:extLst>
       <p:ext uri="{BB962C8B-B14F-4D97-AF65-F5344CB8AC3E}">
-        <p14:creationId xmlns:p14="http://schemas.microsoft.com/office/powerpoint/2010/main" val="3834140402"/>
+        <p14:creationId xmlns:p14="http://schemas.microsoft.com/office/powerpoint/2010/main" val="983925544"/>
       </p:ext>
     </p:extLst>
   </p:cSld>
@@ -4658,7 +4186,7 @@
           <p:cNvPr id="2" name="Título 1">
             <a:extLst>
               <a:ext uri="{FF2B5EF4-FFF2-40B4-BE49-F238E27FC236}">
-                <a16:creationId xmlns:a16="http://schemas.microsoft.com/office/drawing/2014/main" id="{6837F770-02A5-4B05-A9EA-DEA091973DC2}"/>
+                <a16:creationId xmlns:a16="http://schemas.microsoft.com/office/drawing/2014/main" id="{0AF6D9F0-E888-4895-B2F2-8AD2D7FACC83}"/>
               </a:ext>
             </a:extLst>
           </p:cNvPr>
@@ -4670,24 +4198,18 @@
           </p:nvPr>
         </p:nvSpPr>
         <p:spPr>
-          <a:xfrm>
-            <a:off x="292916" y="130130"/>
-            <a:ext cx="10515600" cy="1325563"/>
-          </a:xfrm>
           <a:solidFill>
-            <a:schemeClr val="accent4">
-              <a:lumMod val="60000"/>
-              <a:lumOff val="40000"/>
-            </a:schemeClr>
+            <a:srgbClr val="FF0000"/>
           </a:solidFill>
         </p:spPr>
         <p:txBody>
           <a:bodyPr/>
           <a:lstStyle/>
           <a:p>
-            <a:r>
-              <a:rPr lang="es-MX" dirty="0"/>
-              <a:t>PRIMERA VUELTA – Evaluación Final</a:t>
+            <a:pPr algn="ctr"/>
+            <a:r>
+              <a:rPr lang="es-MX" b="1" dirty="0"/>
+              <a:t>E X T R A O R DI N A R I O </a:t>
             </a:r>
           </a:p>
         </p:txBody>
@@ -4697,7 +4219,7 @@
           <p:cNvPr id="3" name="Marcador de contenido 2">
             <a:extLst>
               <a:ext uri="{FF2B5EF4-FFF2-40B4-BE49-F238E27FC236}">
-                <a16:creationId xmlns:a16="http://schemas.microsoft.com/office/drawing/2014/main" id="{31F2CC44-F55B-4F0C-8330-5F6B95AD3F7D}"/>
+                <a16:creationId xmlns:a16="http://schemas.microsoft.com/office/drawing/2014/main" id="{2FEFE455-553F-4E86-9548-9D772399FDEA}"/>
               </a:ext>
             </a:extLst>
           </p:cNvPr>
@@ -4709,51 +4231,40 @@
           </p:nvPr>
         </p:nvSpPr>
         <p:spPr>
-          <a:xfrm>
-            <a:off x="763398" y="2204309"/>
-            <a:ext cx="10120618" cy="2971698"/>
-          </a:xfrm>
           <a:solidFill>
-            <a:schemeClr val="accent4">
+            <a:schemeClr val="accent2">
               <a:lumMod val="20000"/>
               <a:lumOff val="80000"/>
             </a:schemeClr>
           </a:solidFill>
         </p:spPr>
         <p:txBody>
-          <a:bodyPr>
-            <a:normAutofit fontScale="92500" lnSpcReduction="10000"/>
-          </a:bodyPr>
-          <a:lstStyle/>
-          <a:p>
-            <a:pPr marL="457200" lvl="1" indent="0">
+          <a:bodyPr/>
+          <a:lstStyle/>
+          <a:p>
+            <a:pPr marL="457200" lvl="1" indent="0" algn="ctr">
               <a:buNone/>
             </a:pPr>
-            <a:endParaRPr lang="es-MX" dirty="0"/>
+            <a:endParaRPr lang="es-MX" sz="5500" b="1" dirty="0"/>
           </a:p>
           <a:p>
             <a:pPr marL="457200" lvl="1" indent="0" algn="ctr">
               <a:buNone/>
             </a:pPr>
             <a:r>
-              <a:rPr lang="es-MX" sz="5000" u="sng" dirty="0"/>
-              <a:t>Viernes 29 de mayo</a:t>
-            </a:r>
-          </a:p>
-          <a:p>
-            <a:pPr marL="457200" lvl="1" indent="0" algn="ctr">
+              <a:rPr lang="es-MX" sz="5500" b="1" dirty="0"/>
+              <a:t>Examen de conocimientos.</a:t>
+            </a:r>
+          </a:p>
+          <a:p>
+            <a:pPr marL="0" indent="0" algn="ctr">
               <a:buNone/>
             </a:pPr>
-            <a:endParaRPr lang="es-MX" sz="5000" u="sng" dirty="0"/>
-          </a:p>
-          <a:p>
-            <a:pPr marL="457200" lvl="1" indent="0" algn="ctr">
-              <a:buNone/>
-            </a:pPr>
-            <a:r>
-              <a:rPr lang="es-MX" sz="5000" b="1" dirty="0"/>
-              <a:t>Las entregas después de la hora de clase se califican sobre 8</a:t>
-            </a:r>
+            <a:r>
+              <a:rPr lang="es-MX" dirty="0"/>
+              <a:t>30 preguntas de opción múltiple y 10 preguntas abiertas sobre los temas revisados a lo largo de todo el curso.</a:t>
+            </a:r>
+            <a:endParaRPr lang="es-MX" sz="4800" dirty="0"/>
           </a:p>
           <a:p>
             <a:pPr marL="0" indent="0">
@@ -4766,309 +4277,7 @@
     </p:spTree>
     <p:extLst>
       <p:ext uri="{BB962C8B-B14F-4D97-AF65-F5344CB8AC3E}">
-        <p14:creationId xmlns:p14="http://schemas.microsoft.com/office/powerpoint/2010/main" val="3143695486"/>
-      </p:ext>
-    </p:extLst>
-  </p:cSld>
-  <p:clrMapOvr>
-    <a:masterClrMapping/>
-  </p:clrMapOvr>
-</p:sld>
-</file>
-
-<file path=ppt/slides/slide8.xml><?xml version="1.0" encoding="utf-8"?>
-<p:sld xmlns:a="http://schemas.openxmlformats.org/drawingml/2006/main" xmlns:r="http://schemas.openxmlformats.org/officeDocument/2006/relationships" xmlns:p="http://schemas.openxmlformats.org/presentationml/2006/main">
-  <p:cSld>
-    <p:spTree>
-      <p:nvGrpSpPr>
-        <p:cNvPr id="1" name=""/>
-        <p:cNvGrpSpPr/>
-        <p:nvPr/>
-      </p:nvGrpSpPr>
-      <p:grpSpPr>
-        <a:xfrm>
-          <a:off x="0" y="0"/>
-          <a:ext cx="0" cy="0"/>
-          <a:chOff x="0" y="0"/>
-          <a:chExt cx="0" cy="0"/>
-        </a:xfrm>
-      </p:grpSpPr>
-      <p:sp>
-        <p:nvSpPr>
-          <p:cNvPr id="2" name="Título 1">
-            <a:extLst>
-              <a:ext uri="{FF2B5EF4-FFF2-40B4-BE49-F238E27FC236}">
-                <a16:creationId xmlns:a16="http://schemas.microsoft.com/office/drawing/2014/main" id="{6837F770-02A5-4B05-A9EA-DEA091973DC2}"/>
-              </a:ext>
-            </a:extLst>
-          </p:cNvPr>
-          <p:cNvSpPr>
-            <a:spLocks noGrp="1"/>
-          </p:cNvSpPr>
-          <p:nvPr>
-            <p:ph type="title"/>
-          </p:nvPr>
-        </p:nvSpPr>
-        <p:spPr>
-          <a:xfrm>
-            <a:off x="259360" y="130130"/>
-            <a:ext cx="10515600" cy="1325563"/>
-          </a:xfrm>
-          <a:solidFill>
-            <a:schemeClr val="accent4">
-              <a:lumMod val="60000"/>
-              <a:lumOff val="40000"/>
-            </a:schemeClr>
-          </a:solidFill>
-        </p:spPr>
-        <p:txBody>
-          <a:bodyPr/>
-          <a:lstStyle/>
-          <a:p>
-            <a:r>
-              <a:rPr lang="es-MX" dirty="0"/>
-              <a:t>PRIMERA VUELTA – Evaluación Final</a:t>
-            </a:r>
-          </a:p>
-        </p:txBody>
-      </p:sp>
-      <p:sp>
-        <p:nvSpPr>
-          <p:cNvPr id="3" name="Marcador de contenido 2">
-            <a:extLst>
-              <a:ext uri="{FF2B5EF4-FFF2-40B4-BE49-F238E27FC236}">
-                <a16:creationId xmlns:a16="http://schemas.microsoft.com/office/drawing/2014/main" id="{31F2CC44-F55B-4F0C-8330-5F6B95AD3F7D}"/>
-              </a:ext>
-            </a:extLst>
-          </p:cNvPr>
-          <p:cNvSpPr>
-            <a:spLocks noGrp="1"/>
-          </p:cNvSpPr>
-          <p:nvPr>
-            <p:ph idx="1"/>
-          </p:nvPr>
-        </p:nvSpPr>
-        <p:spPr>
-          <a:xfrm>
-            <a:off x="570451" y="1434517"/>
-            <a:ext cx="10783349" cy="5058358"/>
-          </a:xfrm>
-        </p:spPr>
-        <p:txBody>
-          <a:bodyPr>
-            <a:normAutofit lnSpcReduction="10000"/>
-          </a:bodyPr>
-          <a:lstStyle/>
-          <a:p>
-            <a:endParaRPr lang="es-ES" dirty="0"/>
-          </a:p>
-          <a:p>
-            <a:pPr marL="0" indent="0">
-              <a:buNone/>
-            </a:pPr>
-            <a:r>
-              <a:rPr lang="es-ES" dirty="0"/>
-              <a:t>0) Índice y Resumen general del trabajo</a:t>
-            </a:r>
-            <a:endParaRPr lang="es-MX" sz="4800" dirty="0"/>
-          </a:p>
-          <a:p>
-            <a:pPr marL="0" indent="0">
-              <a:buNone/>
-            </a:pPr>
-            <a:r>
-              <a:rPr lang="es-ES" dirty="0"/>
-              <a:t>1) Planteamiento del problema (Pregunta de investigación, justificación y objetivos)</a:t>
-            </a:r>
-            <a:endParaRPr lang="es-MX" sz="4800" dirty="0"/>
-          </a:p>
-          <a:p>
-            <a:pPr marL="0" indent="0">
-              <a:buNone/>
-            </a:pPr>
-            <a:r>
-              <a:rPr lang="es-ES" dirty="0"/>
-              <a:t>2) Un Marco Teórico con al menos 10 referencias.</a:t>
-            </a:r>
-            <a:endParaRPr lang="es-MX" sz="4800" dirty="0"/>
-          </a:p>
-          <a:p>
-            <a:pPr marL="0" indent="0">
-              <a:buNone/>
-            </a:pPr>
-            <a:r>
-              <a:rPr lang="es-ES" dirty="0"/>
-              <a:t>3) Un Método completo y detallado (Señalando técnica de selección de la muestra, procedimiento y materiales empleados)</a:t>
-            </a:r>
-            <a:endParaRPr lang="es-MX" sz="4800" dirty="0"/>
-          </a:p>
-          <a:p>
-            <a:pPr marL="0" indent="0">
-              <a:buNone/>
-            </a:pPr>
-            <a:r>
-              <a:rPr lang="es-ES" dirty="0"/>
-              <a:t>4) Recolección y presentación de datos mediante el uso de recursos gráficos.</a:t>
-            </a:r>
-            <a:endParaRPr lang="es-MX" sz="4800" dirty="0"/>
-          </a:p>
-          <a:p>
-            <a:pPr marL="0" indent="0">
-              <a:buNone/>
-            </a:pPr>
-            <a:r>
-              <a:rPr lang="es-ES" dirty="0"/>
-              <a:t>5) Discusión y Conclusiones</a:t>
-            </a:r>
-            <a:endParaRPr lang="es-MX" sz="4800" dirty="0"/>
-          </a:p>
-          <a:p>
-            <a:pPr marL="0" indent="0">
-              <a:buNone/>
-            </a:pPr>
-            <a:r>
-              <a:rPr lang="es-ES" dirty="0"/>
-              <a:t>6) Bibliografía con referencias estilo APA.</a:t>
-            </a:r>
-            <a:endParaRPr lang="es-MX" sz="4800" dirty="0"/>
-          </a:p>
-          <a:p>
-            <a:pPr marL="0" indent="0">
-              <a:buNone/>
-            </a:pPr>
-            <a:endParaRPr lang="es-MX" dirty="0"/>
-          </a:p>
-        </p:txBody>
-      </p:sp>
-    </p:spTree>
-    <p:extLst>
-      <p:ext uri="{BB962C8B-B14F-4D97-AF65-F5344CB8AC3E}">
-        <p14:creationId xmlns:p14="http://schemas.microsoft.com/office/powerpoint/2010/main" val="1065823087"/>
-      </p:ext>
-    </p:extLst>
-  </p:cSld>
-  <p:clrMapOvr>
-    <a:masterClrMapping/>
-  </p:clrMapOvr>
-</p:sld>
-</file>
-
-<file path=ppt/slides/slide9.xml><?xml version="1.0" encoding="utf-8"?>
-<p:sld xmlns:a="http://schemas.openxmlformats.org/drawingml/2006/main" xmlns:r="http://schemas.openxmlformats.org/officeDocument/2006/relationships" xmlns:p="http://schemas.openxmlformats.org/presentationml/2006/main">
-  <p:cSld>
-    <p:spTree>
-      <p:nvGrpSpPr>
-        <p:cNvPr id="1" name=""/>
-        <p:cNvGrpSpPr/>
-        <p:nvPr/>
-      </p:nvGrpSpPr>
-      <p:grpSpPr>
-        <a:xfrm>
-          <a:off x="0" y="0"/>
-          <a:ext cx="0" cy="0"/>
-          <a:chOff x="0" y="0"/>
-          <a:chExt cx="0" cy="0"/>
-        </a:xfrm>
-      </p:grpSpPr>
-      <p:sp>
-        <p:nvSpPr>
-          <p:cNvPr id="2" name="Título 1">
-            <a:extLst>
-              <a:ext uri="{FF2B5EF4-FFF2-40B4-BE49-F238E27FC236}">
-                <a16:creationId xmlns:a16="http://schemas.microsoft.com/office/drawing/2014/main" id="{6837F770-02A5-4B05-A9EA-DEA091973DC2}"/>
-              </a:ext>
-            </a:extLst>
-          </p:cNvPr>
-          <p:cNvSpPr>
-            <a:spLocks noGrp="1"/>
-          </p:cNvSpPr>
-          <p:nvPr>
-            <p:ph type="title"/>
-          </p:nvPr>
-        </p:nvSpPr>
-        <p:spPr>
-          <a:xfrm>
-            <a:off x="292916" y="130130"/>
-            <a:ext cx="10515600" cy="1325563"/>
-          </a:xfrm>
-          <a:solidFill>
-            <a:schemeClr val="accent4">
-              <a:lumMod val="60000"/>
-              <a:lumOff val="40000"/>
-            </a:schemeClr>
-          </a:solidFill>
-        </p:spPr>
-        <p:txBody>
-          <a:bodyPr/>
-          <a:lstStyle/>
-          <a:p>
-            <a:r>
-              <a:rPr lang="es-MX" dirty="0"/>
-              <a:t>PRIMERA VUELTA – Evaluación Final</a:t>
-            </a:r>
-          </a:p>
-        </p:txBody>
-      </p:sp>
-      <p:sp>
-        <p:nvSpPr>
-          <p:cNvPr id="3" name="Marcador de contenido 2">
-            <a:extLst>
-              <a:ext uri="{FF2B5EF4-FFF2-40B4-BE49-F238E27FC236}">
-                <a16:creationId xmlns:a16="http://schemas.microsoft.com/office/drawing/2014/main" id="{31F2CC44-F55B-4F0C-8330-5F6B95AD3F7D}"/>
-              </a:ext>
-            </a:extLst>
-          </p:cNvPr>
-          <p:cNvSpPr>
-            <a:spLocks noGrp="1"/>
-          </p:cNvSpPr>
-          <p:nvPr>
-            <p:ph idx="1"/>
-          </p:nvPr>
-        </p:nvSpPr>
-        <p:spPr>
-          <a:xfrm>
-            <a:off x="1233182" y="2189527"/>
-            <a:ext cx="10120618" cy="4303348"/>
-          </a:xfrm>
-          <a:solidFill>
-            <a:schemeClr val="accent4">
-              <a:lumMod val="20000"/>
-              <a:lumOff val="80000"/>
-            </a:schemeClr>
-          </a:solidFill>
-        </p:spPr>
-        <p:txBody>
-          <a:bodyPr>
-            <a:normAutofit/>
-          </a:bodyPr>
-          <a:lstStyle/>
-          <a:p>
-            <a:pPr marL="457200" lvl="1" indent="0">
-              <a:buNone/>
-            </a:pPr>
-            <a:endParaRPr lang="es-MX" dirty="0"/>
-          </a:p>
-          <a:p>
-            <a:pPr marL="457200" lvl="1" indent="0" algn="ctr">
-              <a:buNone/>
-            </a:pPr>
-            <a:r>
-              <a:rPr lang="es-MX" sz="5000" dirty="0"/>
-              <a:t>Revisen el archivo “Formato TMI” para garantizar una mejor calificación.</a:t>
-            </a:r>
-          </a:p>
-          <a:p>
-            <a:pPr marL="0" indent="0">
-              <a:buNone/>
-            </a:pPr>
-            <a:endParaRPr lang="es-MX" dirty="0"/>
-          </a:p>
-        </p:txBody>
-      </p:sp>
-    </p:spTree>
-    <p:extLst>
-      <p:ext uri="{BB962C8B-B14F-4D97-AF65-F5344CB8AC3E}">
-        <p14:creationId xmlns:p14="http://schemas.microsoft.com/office/powerpoint/2010/main" val="2527521754"/>
+        <p14:creationId xmlns:p14="http://schemas.microsoft.com/office/powerpoint/2010/main" val="2919591534"/>
       </p:ext>
     </p:extLst>
   </p:cSld>
